--- a/1팀 발표보고서.pptx
+++ b/1팀 발표보고서.pptx
@@ -290,7 +290,7 @@
           <a:p>
             <a:fld id="{D81F6A0F-3B97-4D8F-957A-977AD0ADBB82}" type="datetimeFigureOut">
               <a:rPr lang="ko-KR" altLang="en-US" smtClean="0"/>
-              <a:t>2022-12-29</a:t>
+              <a:t>2022-12-30</a:t>
             </a:fld>
             <a:endParaRPr lang="ko-KR" altLang="en-US"/>
           </a:p>
@@ -578,7 +578,7 @@
           <a:p>
             <a:fld id="{D81F6A0F-3B97-4D8F-957A-977AD0ADBB82}" type="datetimeFigureOut">
               <a:rPr lang="ko-KR" altLang="en-US" smtClean="0"/>
-              <a:t>2022-12-29</a:t>
+              <a:t>2022-12-30</a:t>
             </a:fld>
             <a:endParaRPr lang="ko-KR" altLang="en-US"/>
           </a:p>
@@ -776,7 +776,7 @@
           <a:p>
             <a:fld id="{D81F6A0F-3B97-4D8F-957A-977AD0ADBB82}" type="datetimeFigureOut">
               <a:rPr lang="ko-KR" altLang="en-US" smtClean="0"/>
-              <a:t>2022-12-29</a:t>
+              <a:t>2022-12-30</a:t>
             </a:fld>
             <a:endParaRPr lang="ko-KR" altLang="en-US"/>
           </a:p>
@@ -984,7 +984,7 @@
           <a:p>
             <a:fld id="{D81F6A0F-3B97-4D8F-957A-977AD0ADBB82}" type="datetimeFigureOut">
               <a:rPr lang="ko-KR" altLang="en-US" smtClean="0"/>
-              <a:t>2022-12-29</a:t>
+              <a:t>2022-12-30</a:t>
             </a:fld>
             <a:endParaRPr lang="ko-KR" altLang="en-US"/>
           </a:p>
@@ -1182,7 +1182,7 @@
           <a:p>
             <a:fld id="{D81F6A0F-3B97-4D8F-957A-977AD0ADBB82}" type="datetimeFigureOut">
               <a:rPr lang="ko-KR" altLang="en-US" smtClean="0"/>
-              <a:t>2022-12-29</a:t>
+              <a:t>2022-12-30</a:t>
             </a:fld>
             <a:endParaRPr lang="ko-KR" altLang="en-US"/>
           </a:p>
@@ -1457,7 +1457,7 @@
           <a:p>
             <a:fld id="{D81F6A0F-3B97-4D8F-957A-977AD0ADBB82}" type="datetimeFigureOut">
               <a:rPr lang="ko-KR" altLang="en-US" smtClean="0"/>
-              <a:t>2022-12-29</a:t>
+              <a:t>2022-12-30</a:t>
             </a:fld>
             <a:endParaRPr lang="ko-KR" altLang="en-US"/>
           </a:p>
@@ -1722,7 +1722,7 @@
           <a:p>
             <a:fld id="{D81F6A0F-3B97-4D8F-957A-977AD0ADBB82}" type="datetimeFigureOut">
               <a:rPr lang="ko-KR" altLang="en-US" smtClean="0"/>
-              <a:t>2022-12-29</a:t>
+              <a:t>2022-12-30</a:t>
             </a:fld>
             <a:endParaRPr lang="ko-KR" altLang="en-US"/>
           </a:p>
@@ -2134,7 +2134,7 @@
           <a:p>
             <a:fld id="{D81F6A0F-3B97-4D8F-957A-977AD0ADBB82}" type="datetimeFigureOut">
               <a:rPr lang="ko-KR" altLang="en-US" smtClean="0"/>
-              <a:t>2022-12-29</a:t>
+              <a:t>2022-12-30</a:t>
             </a:fld>
             <a:endParaRPr lang="ko-KR" altLang="en-US"/>
           </a:p>
@@ -2275,7 +2275,7 @@
           <a:p>
             <a:fld id="{D81F6A0F-3B97-4D8F-957A-977AD0ADBB82}" type="datetimeFigureOut">
               <a:rPr lang="ko-KR" altLang="en-US" smtClean="0"/>
-              <a:t>2022-12-29</a:t>
+              <a:t>2022-12-30</a:t>
             </a:fld>
             <a:endParaRPr lang="ko-KR" altLang="en-US"/>
           </a:p>
@@ -2477,7 +2477,7 @@
           <a:p>
             <a:fld id="{D81F6A0F-3B97-4D8F-957A-977AD0ADBB82}" type="datetimeFigureOut">
               <a:rPr lang="ko-KR" altLang="en-US" smtClean="0"/>
-              <a:t>2022-12-29</a:t>
+              <a:t>2022-12-30</a:t>
             </a:fld>
             <a:endParaRPr lang="ko-KR" altLang="en-US"/>
           </a:p>
@@ -2679,7 +2679,7 @@
           <a:p>
             <a:fld id="{D81F6A0F-3B97-4D8F-957A-977AD0ADBB82}" type="datetimeFigureOut">
               <a:rPr lang="ko-KR" altLang="en-US" smtClean="0"/>
-              <a:t>2022-12-29</a:t>
+              <a:t>2022-12-30</a:t>
             </a:fld>
             <a:endParaRPr lang="ko-KR" altLang="en-US"/>
           </a:p>
@@ -2990,7 +2990,7 @@
           <a:p>
             <a:fld id="{D81F6A0F-3B97-4D8F-957A-977AD0ADBB82}" type="datetimeFigureOut">
               <a:rPr lang="ko-KR" altLang="en-US" smtClean="0"/>
-              <a:t>2022-12-29</a:t>
+              <a:t>2022-12-30</a:t>
             </a:fld>
             <a:endParaRPr lang="ko-KR" altLang="en-US"/>
           </a:p>
@@ -3231,7 +3231,7 @@
           <a:p>
             <a:fld id="{D81F6A0F-3B97-4D8F-957A-977AD0ADBB82}" type="datetimeFigureOut">
               <a:rPr lang="ko-KR" altLang="en-US" smtClean="0"/>
-              <a:t>2022-12-29</a:t>
+              <a:t>2022-12-30</a:t>
             </a:fld>
             <a:endParaRPr lang="ko-KR" altLang="en-US"/>
           </a:p>
@@ -3700,7 +3700,7 @@
         <p:spPr>
           <a:xfrm>
             <a:off x="686816" y="2767280"/>
-            <a:ext cx="8494633" cy="1323439"/>
+            <a:ext cx="8348760" cy="2062103"/>
           </a:xfrm>
           <a:prstGeom prst="rect">
             <a:avLst/>
@@ -3730,13 +3730,41 @@
               <a:t> </a:t>
             </a:r>
             <a:r>
-              <a:rPr lang="ko-KR" altLang="en-US" sz="8000" b="1" dirty="0">
+              <a:rPr lang="ko-KR" altLang="en-US" sz="8000" b="1" dirty="0" smtClean="0">
                 <a:solidFill>
                   <a:schemeClr val="bg1"/>
                 </a:solidFill>
               </a:rPr>
               <a:t>프로젝트</a:t>
             </a:r>
+            <a:endParaRPr lang="en-US" altLang="ko-KR" sz="8000" b="1" dirty="0" smtClean="0">
+              <a:solidFill>
+                <a:schemeClr val="bg1"/>
+              </a:solidFill>
+            </a:endParaRPr>
+          </a:p>
+          <a:p>
+            <a:r>
+              <a:rPr lang="ko-KR" altLang="en-US" sz="4800" b="1" dirty="0" smtClean="0">
+                <a:solidFill>
+                  <a:schemeClr val="bg1"/>
+                </a:solidFill>
+              </a:rPr>
+              <a:t>최종 </a:t>
+            </a:r>
+            <a:r>
+              <a:rPr lang="ko-KR" altLang="en-US" sz="4800" b="1" dirty="0" err="1" smtClean="0">
+                <a:solidFill>
+                  <a:schemeClr val="bg1"/>
+                </a:solidFill>
+              </a:rPr>
+              <a:t>발표보고서</a:t>
+            </a:r>
+            <a:endParaRPr lang="ko-KR" altLang="en-US" sz="8000" b="1" dirty="0">
+              <a:solidFill>
+                <a:schemeClr val="bg1"/>
+              </a:solidFill>
+            </a:endParaRPr>
           </a:p>
         </p:txBody>
       </p:sp>
@@ -4052,6 +4080,13 @@
   <p:clrMapOvr>
     <a:masterClrMapping/>
   </p:clrMapOvr>
+  <p:timing>
+    <p:tnLst>
+      <p:par>
+        <p:cTn id="1" dur="indefinite" restart="never" nodeType="tmRoot"/>
+      </p:par>
+    </p:tnLst>
+  </p:timing>
 </p:sld>
 </file>
 
@@ -4360,6 +4395,13 @@
   <p:clrMapOvr>
     <a:masterClrMapping/>
   </p:clrMapOvr>
+  <p:timing>
+    <p:tnLst>
+      <p:par>
+        <p:cTn id="1" dur="indefinite" restart="never" nodeType="tmRoot"/>
+      </p:par>
+    </p:tnLst>
+  </p:timing>
 </p:sld>
 </file>
 
@@ -4613,6 +4655,13 @@
   <p:clrMapOvr>
     <a:masterClrMapping/>
   </p:clrMapOvr>
+  <p:timing>
+    <p:tnLst>
+      <p:par>
+        <p:cTn id="1" dur="indefinite" restart="never" nodeType="tmRoot"/>
+      </p:par>
+    </p:tnLst>
+  </p:timing>
 </p:sld>
 </file>
 
@@ -4870,6 +4919,13 @@
   <p:clrMapOvr>
     <a:masterClrMapping/>
   </p:clrMapOvr>
+  <p:timing>
+    <p:tnLst>
+      <p:par>
+        <p:cTn id="1" dur="indefinite" restart="never" nodeType="tmRoot"/>
+      </p:par>
+    </p:tnLst>
+  </p:timing>
 </p:sld>
 </file>
 
@@ -8376,6 +8432,13 @@
   <p:clrMapOvr>
     <a:masterClrMapping/>
   </p:clrMapOvr>
+  <p:timing>
+    <p:tnLst>
+      <p:par>
+        <p:cTn id="1" dur="indefinite" restart="never" nodeType="tmRoot"/>
+      </p:par>
+    </p:tnLst>
+  </p:timing>
 </p:sld>
 </file>
 
@@ -11565,6 +11628,13 @@
   <p:clrMapOvr>
     <a:masterClrMapping/>
   </p:clrMapOvr>
+  <p:timing>
+    <p:tnLst>
+      <p:par>
+        <p:cTn id="1" dur="indefinite" restart="never" nodeType="tmRoot"/>
+      </p:par>
+    </p:tnLst>
+  </p:timing>
 </p:sld>
 </file>
 
@@ -14766,6 +14836,13 @@
   <p:clrMapOvr>
     <a:masterClrMapping/>
   </p:clrMapOvr>
+  <p:timing>
+    <p:tnLst>
+      <p:par>
+        <p:cTn id="1" dur="indefinite" restart="never" nodeType="tmRoot"/>
+      </p:par>
+    </p:tnLst>
+  </p:timing>
 </p:sld>
 </file>
 
@@ -16721,6 +16798,13 @@
   <p:clrMapOvr>
     <a:masterClrMapping/>
   </p:clrMapOvr>
+  <p:timing>
+    <p:tnLst>
+      <p:par>
+        <p:cTn id="1" dur="indefinite" restart="never" nodeType="tmRoot"/>
+      </p:par>
+    </p:tnLst>
+  </p:timing>
 </p:sld>
 </file>
 
@@ -19633,6 +19717,13 @@
   <p:clrMapOvr>
     <a:masterClrMapping/>
   </p:clrMapOvr>
+  <p:timing>
+    <p:tnLst>
+      <p:par>
+        <p:cTn id="1" dur="indefinite" restart="never" nodeType="tmRoot"/>
+      </p:par>
+    </p:tnLst>
+  </p:timing>
 </p:sld>
 </file>
 
@@ -23336,6 +23427,13 @@
   <p:clrMapOvr>
     <a:masterClrMapping/>
   </p:clrMapOvr>
+  <p:timing>
+    <p:tnLst>
+      <p:par>
+        <p:cTn id="1" dur="indefinite" restart="never" nodeType="tmRoot"/>
+      </p:par>
+    </p:tnLst>
+  </p:timing>
 </p:sld>
 </file>
 
@@ -26198,6 +26296,13 @@
   <p:clrMapOvr>
     <a:masterClrMapping/>
   </p:clrMapOvr>
+  <p:timing>
+    <p:tnLst>
+      <p:par>
+        <p:cTn id="1" dur="indefinite" restart="never" nodeType="tmRoot"/>
+      </p:par>
+    </p:tnLst>
+  </p:timing>
 </p:sld>
 </file>
 
@@ -26239,7 +26344,7 @@
                 <a14:useLocalDpi xmlns:a14="http://schemas.microsoft.com/office/drawing/2010/main" val="0"/>
               </a:ext>
               <a:ext uri="{96DAC541-7B7A-43D3-8B79-37D633B846F1}">
-                <asvg:svgBlip xmlns:asvg="http://schemas.microsoft.com/office/drawing/2016/SVG/main" r:embed="rId3"/>
+                <asvg:svgBlip xmlns:asvg="http://schemas.microsoft.com/office/drawing/2016/SVG/main" xmlns="" r:embed="rId3"/>
               </a:ext>
             </a:extLst>
           </a:blip>
@@ -26815,6 +26920,13 @@
   <p:clrMapOvr>
     <a:masterClrMapping/>
   </p:clrMapOvr>
+  <p:timing>
+    <p:tnLst>
+      <p:par>
+        <p:cTn id="1" dur="indefinite" restart="never" nodeType="tmRoot"/>
+      </p:par>
+    </p:tnLst>
+  </p:timing>
 </p:sld>
 </file>
 
@@ -27169,6 +27281,13 @@
   <p:clrMapOvr>
     <a:masterClrMapping/>
   </p:clrMapOvr>
+  <p:timing>
+    <p:tnLst>
+      <p:par>
+        <p:cTn id="1" dur="indefinite" restart="never" nodeType="tmRoot"/>
+      </p:par>
+    </p:tnLst>
+  </p:timing>
 </p:sld>
 </file>
 
@@ -27322,6 +27441,13 @@
   <p:clrMapOvr>
     <a:masterClrMapping/>
   </p:clrMapOvr>
+  <p:timing>
+    <p:tnLst>
+      <p:par>
+        <p:cTn id="1" dur="indefinite" restart="never" nodeType="tmRoot"/>
+      </p:par>
+    </p:tnLst>
+  </p:timing>
 </p:sld>
 </file>
 
@@ -27630,6 +27756,13 @@
   <p:clrMapOvr>
     <a:masterClrMapping/>
   </p:clrMapOvr>
+  <p:timing>
+    <p:tnLst>
+      <p:par>
+        <p:cTn id="1" dur="indefinite" restart="never" nodeType="tmRoot"/>
+      </p:par>
+    </p:tnLst>
+  </p:timing>
 </p:sld>
 </file>
 
@@ -27845,6 +27978,13 @@
   <p:clrMapOvr>
     <a:masterClrMapping/>
   </p:clrMapOvr>
+  <p:timing>
+    <p:tnLst>
+      <p:par>
+        <p:cTn id="1" dur="indefinite" restart="never" nodeType="tmRoot"/>
+      </p:par>
+    </p:tnLst>
+  </p:timing>
 </p:sld>
 </file>
 
@@ -28099,6 +28239,13 @@
   <p:clrMapOvr>
     <a:masterClrMapping/>
   </p:clrMapOvr>
+  <p:timing>
+    <p:tnLst>
+      <p:par>
+        <p:cTn id="1" dur="indefinite" restart="never" nodeType="tmRoot"/>
+      </p:par>
+    </p:tnLst>
+  </p:timing>
 </p:sld>
 </file>
 
@@ -29393,6 +29540,13 @@
   <p:clrMapOvr>
     <a:masterClrMapping/>
   </p:clrMapOvr>
+  <p:timing>
+    <p:tnLst>
+      <p:par>
+        <p:cTn id="1" dur="indefinite" restart="never" nodeType="tmRoot"/>
+      </p:par>
+    </p:tnLst>
+  </p:timing>
 </p:sld>
 </file>
 
@@ -29647,6 +29801,13 @@
   <p:clrMapOvr>
     <a:masterClrMapping/>
   </p:clrMapOvr>
+  <p:timing>
+    <p:tnLst>
+      <p:par>
+        <p:cTn id="1" dur="indefinite" restart="never" nodeType="tmRoot"/>
+      </p:par>
+    </p:tnLst>
+  </p:timing>
 </p:sld>
 </file>
 
@@ -33728,6 +33889,13 @@
   <p:clrMapOvr>
     <a:masterClrMapping/>
   </p:clrMapOvr>
+  <p:timing>
+    <p:tnLst>
+      <p:par>
+        <p:cTn id="1" dur="indefinite" restart="never" nodeType="tmRoot"/>
+      </p:par>
+    </p:tnLst>
+  </p:timing>
 </p:sld>
 </file>
 
@@ -41510,6 +41678,13 @@
   <p:clrMapOvr>
     <a:masterClrMapping/>
   </p:clrMapOvr>
+  <p:timing>
+    <p:tnLst>
+      <p:par>
+        <p:cTn id="1" dur="indefinite" restart="never" nodeType="tmRoot"/>
+      </p:par>
+    </p:tnLst>
+  </p:timing>
 </p:sld>
 </file>
 

--- a/1팀 발표보고서.pptx
+++ b/1팀 발표보고서.pptx
@@ -26344,7 +26344,7 @@
                 <a14:useLocalDpi xmlns:a14="http://schemas.microsoft.com/office/drawing/2010/main" val="0"/>
               </a:ext>
               <a:ext uri="{96DAC541-7B7A-43D3-8B79-37D633B846F1}">
-                <asvg:svgBlip xmlns:asvg="http://schemas.microsoft.com/office/drawing/2016/SVG/main" xmlns="" r:embed="rId3"/>
+                <asvg:svgBlip xmlns="" xmlns:asvg="http://schemas.microsoft.com/office/drawing/2016/SVG/main" r:embed="rId3"/>
               </a:ext>
             </a:extLst>
           </a:blip>
@@ -29993,7 +29993,7 @@
           <p:nvPr>
             <p:extLst>
               <p:ext uri="{D42A27DB-BD31-4B8C-83A1-F6EECF244321}">
-                <p14:modId xmlns:p14="http://schemas.microsoft.com/office/powerpoint/2010/main" val="3010671418"/>
+                <p14:modId xmlns:p14="http://schemas.microsoft.com/office/powerpoint/2010/main" val="522348011"/>
               </p:ext>
             </p:extLst>
           </p:nvPr>
@@ -30105,6 +30105,12 @@
                       <a:headEnd type="none" w="med" len="med"/>
                       <a:tailEnd type="none" w="med" len="med"/>
                     </a:lnB>
+                    <a:solidFill>
+                      <a:schemeClr val="tx1">
+                        <a:lumMod val="20000"/>
+                        <a:lumOff val="80000"/>
+                      </a:schemeClr>
+                    </a:solidFill>
                   </a:tcPr>
                 </a:tc>
                 <a:tc>
@@ -30114,12 +30120,12 @@
                     <a:p>
                       <a:pPr lvl="0" algn="ctr" fontAlgn="ctr"/>
                       <a:r>
-                        <a:rPr lang="ko-KR" altLang="en-US" sz="900" u="none" strike="noStrike">
+                        <a:rPr lang="ko-KR" altLang="en-US" sz="900" u="none" strike="noStrike" dirty="0">
                           <a:effectLst/>
                         </a:rPr>
                         <a:t>구분</a:t>
                       </a:r>
-                      <a:endParaRPr lang="ko-KR" altLang="en-US" sz="900" b="0" i="0" u="none" strike="noStrike">
+                      <a:endParaRPr lang="ko-KR" altLang="en-US" sz="900" b="0" i="0" u="none" strike="noStrike" dirty="0">
                         <a:solidFill>
                           <a:srgbClr val="000000"/>
                         </a:solidFill>
@@ -30166,6 +30172,12 @@
                       <a:headEnd type="none" w="med" len="med"/>
                       <a:tailEnd type="none" w="med" len="med"/>
                     </a:lnB>
+                    <a:solidFill>
+                      <a:schemeClr val="tx1">
+                        <a:lumMod val="20000"/>
+                        <a:lumOff val="80000"/>
+                      </a:schemeClr>
+                    </a:solidFill>
                   </a:tcPr>
                 </a:tc>
                 <a:tc gridSpan="2">
@@ -30227,6 +30239,12 @@
                       <a:headEnd type="none" w="med" len="med"/>
                       <a:tailEnd type="none" w="med" len="med"/>
                     </a:lnB>
+                    <a:solidFill>
+                      <a:schemeClr val="tx1">
+                        <a:lumMod val="20000"/>
+                        <a:lumOff val="80000"/>
+                      </a:schemeClr>
+                    </a:solidFill>
                   </a:tcPr>
                 </a:tc>
                 <a:tc hMerge="1">
@@ -30299,6 +30317,12 @@
                       <a:headEnd type="none" w="med" len="med"/>
                       <a:tailEnd type="none" w="med" len="med"/>
                     </a:lnB>
+                    <a:solidFill>
+                      <a:schemeClr val="tx1">
+                        <a:lumMod val="20000"/>
+                        <a:lumOff val="80000"/>
+                      </a:schemeClr>
+                    </a:solidFill>
                   </a:tcPr>
                 </a:tc>
                 <a:extLst>
@@ -30374,7 +30398,7 @@
                     <a:bodyPr/>
                     <a:lstStyle/>
                     <a:p>
-                      <a:pPr lvl="0" algn="l" fontAlgn="ctr"/>
+                      <a:pPr lvl="0" algn="ctr" fontAlgn="ctr"/>
                       <a:r>
                         <a:rPr lang="en-US" sz="900" u="none" strike="noStrike" dirty="0">
                           <a:effectLst/>
@@ -30586,7 +30610,7 @@
                     <a:bodyPr/>
                     <a:lstStyle/>
                     <a:p>
-                      <a:pPr lvl="0" algn="l" fontAlgn="ctr"/>
+                      <a:pPr lvl="0" algn="ctr" fontAlgn="ctr"/>
                       <a:r>
                         <a:rPr lang="en-US" sz="900" u="none" strike="noStrike" dirty="0">
                           <a:effectLst/>
@@ -30798,7 +30822,7 @@
                     <a:bodyPr/>
                     <a:lstStyle/>
                     <a:p>
-                      <a:pPr lvl="0" algn="l" fontAlgn="ctr"/>
+                      <a:pPr lvl="0" algn="ctr" fontAlgn="ctr"/>
                       <a:r>
                         <a:rPr lang="en-US" sz="900" u="none" strike="noStrike" dirty="0">
                           <a:effectLst/>
@@ -31010,7 +31034,7 @@
                     <a:bodyPr/>
                     <a:lstStyle/>
                     <a:p>
-                      <a:pPr lvl="0" algn="l" fontAlgn="ctr"/>
+                      <a:pPr lvl="0" algn="ctr" fontAlgn="ctr"/>
                       <a:r>
                         <a:rPr lang="en-US" sz="900" u="none" strike="noStrike" dirty="0">
                           <a:effectLst/>
@@ -32000,7 +32024,7 @@
                     <a:bodyPr/>
                     <a:lstStyle/>
                     <a:p>
-                      <a:pPr lvl="0" algn="l" fontAlgn="ctr"/>
+                      <a:pPr lvl="0" algn="ctr" fontAlgn="ctr"/>
                       <a:r>
                         <a:rPr lang="en-US" sz="900" u="none" strike="noStrike" dirty="0">
                           <a:effectLst/>
@@ -33002,14 +33026,14 @@
                     <a:bodyPr/>
                     <a:lstStyle/>
                     <a:p>
-                      <a:pPr lvl="0" algn="l" fontAlgn="ctr"/>
-                      <a:r>
-                        <a:rPr lang="en-US" sz="900" u="none" strike="noStrike">
+                      <a:pPr lvl="0" algn="ctr" fontAlgn="ctr"/>
+                      <a:r>
+                        <a:rPr lang="en-US" sz="900" u="none" strike="noStrike" dirty="0">
                           <a:effectLst/>
                         </a:rPr>
                         <a:t>DBMS</a:t>
                       </a:r>
-                      <a:endParaRPr lang="en-US" sz="900" b="0" i="0" u="none" strike="noStrike">
+                      <a:endParaRPr lang="en-US" sz="900" b="0" i="0" u="none" strike="noStrike" dirty="0">
                         <a:solidFill>
                           <a:srgbClr val="000000"/>
                         </a:solidFill>
@@ -33220,14 +33244,14 @@
                     <a:bodyPr/>
                     <a:lstStyle/>
                     <a:p>
-                      <a:pPr lvl="0" algn="l" fontAlgn="ctr"/>
-                      <a:r>
-                        <a:rPr lang="en-US" sz="900" u="none" strike="noStrike">
+                      <a:pPr lvl="0" algn="ctr" fontAlgn="ctr"/>
+                      <a:r>
+                        <a:rPr lang="en-US" sz="900" u="none" strike="noStrike" dirty="0">
                           <a:effectLst/>
                         </a:rPr>
                         <a:t>Tool</a:t>
                       </a:r>
-                      <a:endParaRPr lang="en-US" sz="900" b="0" i="0" u="none" strike="noStrike">
+                      <a:endParaRPr lang="en-US" sz="900" b="0" i="0" u="none" strike="noStrike" dirty="0">
                         <a:solidFill>
                           <a:srgbClr val="000000"/>
                         </a:solidFill>
@@ -34081,7 +34105,7 @@
           <p:nvPr>
             <p:extLst>
               <p:ext uri="{D42A27DB-BD31-4B8C-83A1-F6EECF244321}">
-                <p14:modId xmlns:p14="http://schemas.microsoft.com/office/powerpoint/2010/main" val="3142763603"/>
+                <p14:modId xmlns:p14="http://schemas.microsoft.com/office/powerpoint/2010/main" val="3239651199"/>
               </p:ext>
             </p:extLst>
           </p:nvPr>
@@ -34163,7 +34187,14 @@
                       </a:endParaRPr>
                     </a:p>
                   </a:txBody>
-                  <a:tcPr marL="5708" marR="5708" marT="5708" marB="0" anchor="ctr"/>
+                  <a:tcPr marL="5708" marR="5708" marT="5708" marB="0" anchor="ctr">
+                    <a:solidFill>
+                      <a:schemeClr val="tx1">
+                        <a:lumMod val="20000"/>
+                        <a:lumOff val="80000"/>
+                      </a:schemeClr>
+                    </a:solidFill>
+                  </a:tcPr>
                 </a:tc>
                 <a:tc>
                   <a:txBody>
@@ -34187,7 +34218,14 @@
                       </a:endParaRPr>
                     </a:p>
                   </a:txBody>
-                  <a:tcPr marL="5708" marR="5708" marT="5708" marB="0" anchor="ctr"/>
+                  <a:tcPr marL="5708" marR="5708" marT="5708" marB="0" anchor="ctr">
+                    <a:solidFill>
+                      <a:schemeClr val="tx1">
+                        <a:lumMod val="20000"/>
+                        <a:lumOff val="80000"/>
+                      </a:schemeClr>
+                    </a:solidFill>
+                  </a:tcPr>
                 </a:tc>
                 <a:tc>
                   <a:txBody>
@@ -34196,12 +34234,12 @@
                     <a:p>
                       <a:pPr algn="ctr" fontAlgn="ctr"/>
                       <a:r>
-                        <a:rPr lang="ko-KR" altLang="en-US" sz="600" u="none" strike="noStrike">
+                        <a:rPr lang="ko-KR" altLang="en-US" sz="600" u="none" strike="noStrike" dirty="0">
                           <a:effectLst/>
                         </a:rPr>
                         <a:t>요구사항</a:t>
                       </a:r>
-                      <a:endParaRPr lang="ko-KR" altLang="en-US" sz="600" b="0" i="0" u="none" strike="noStrike">
+                      <a:endParaRPr lang="ko-KR" altLang="en-US" sz="600" b="0" i="0" u="none" strike="noStrike" dirty="0">
                         <a:solidFill>
                           <a:srgbClr val="000000"/>
                         </a:solidFill>
@@ -34211,7 +34249,14 @@
                       </a:endParaRPr>
                     </a:p>
                   </a:txBody>
-                  <a:tcPr marL="5708" marR="5708" marT="5708" marB="0" anchor="ctr"/>
+                  <a:tcPr marL="5708" marR="5708" marT="5708" marB="0" anchor="ctr">
+                    <a:solidFill>
+                      <a:schemeClr val="tx1">
+                        <a:lumMod val="20000"/>
+                        <a:lumOff val="80000"/>
+                      </a:schemeClr>
+                    </a:solidFill>
+                  </a:tcPr>
                 </a:tc>
                 <a:tc>
                   <a:txBody>
@@ -34220,12 +34265,12 @@
                     <a:p>
                       <a:pPr algn="ctr" fontAlgn="ctr"/>
                       <a:r>
-                        <a:rPr lang="ko-KR" altLang="en-US" sz="600" u="none" strike="noStrike">
+                        <a:rPr lang="ko-KR" altLang="en-US" sz="600" u="none" strike="noStrike" dirty="0">
                           <a:effectLst/>
                         </a:rPr>
                         <a:t>유형</a:t>
                       </a:r>
-                      <a:endParaRPr lang="ko-KR" altLang="en-US" sz="600" b="0" i="0" u="none" strike="noStrike">
+                      <a:endParaRPr lang="ko-KR" altLang="en-US" sz="600" b="0" i="0" u="none" strike="noStrike" dirty="0">
                         <a:solidFill>
                           <a:srgbClr val="000000"/>
                         </a:solidFill>
@@ -34235,7 +34280,14 @@
                       </a:endParaRPr>
                     </a:p>
                   </a:txBody>
-                  <a:tcPr marL="5708" marR="5708" marT="5708" marB="0" anchor="ctr"/>
+                  <a:tcPr marL="5708" marR="5708" marT="5708" marB="0" anchor="ctr">
+                    <a:solidFill>
+                      <a:schemeClr val="tx1">
+                        <a:lumMod val="20000"/>
+                        <a:lumOff val="80000"/>
+                      </a:schemeClr>
+                    </a:solidFill>
+                  </a:tcPr>
                 </a:tc>
                 <a:tc>
                   <a:txBody>
@@ -34244,12 +34296,12 @@
                     <a:p>
                       <a:pPr algn="ctr" fontAlgn="ctr"/>
                       <a:r>
-                        <a:rPr lang="ko-KR" altLang="en-US" sz="600" u="none" strike="noStrike">
+                        <a:rPr lang="ko-KR" altLang="en-US" sz="600" u="none" strike="noStrike" dirty="0">
                           <a:effectLst/>
                         </a:rPr>
                         <a:t>우선순위</a:t>
                       </a:r>
-                      <a:endParaRPr lang="ko-KR" altLang="en-US" sz="600" b="0" i="0" u="none" strike="noStrike">
+                      <a:endParaRPr lang="ko-KR" altLang="en-US" sz="600" b="0" i="0" u="none" strike="noStrike" dirty="0">
                         <a:solidFill>
                           <a:srgbClr val="000000"/>
                         </a:solidFill>
@@ -34259,7 +34311,14 @@
                       </a:endParaRPr>
                     </a:p>
                   </a:txBody>
-                  <a:tcPr marL="5708" marR="5708" marT="5708" marB="0" anchor="ctr"/>
+                  <a:tcPr marL="5708" marR="5708" marT="5708" marB="0" anchor="ctr">
+                    <a:solidFill>
+                      <a:schemeClr val="tx1">
+                        <a:lumMod val="20000"/>
+                        <a:lumOff val="80000"/>
+                      </a:schemeClr>
+                    </a:solidFill>
+                  </a:tcPr>
                 </a:tc>
                 <a:tc>
                   <a:txBody>
@@ -34268,12 +34327,12 @@
                     <a:p>
                       <a:pPr algn="ctr" fontAlgn="ctr"/>
                       <a:r>
-                        <a:rPr lang="ko-KR" altLang="en-US" sz="600" u="none" strike="noStrike">
+                        <a:rPr lang="ko-KR" altLang="en-US" sz="600" u="none" strike="noStrike" dirty="0">
                           <a:effectLst/>
                         </a:rPr>
                         <a:t>규모</a:t>
                       </a:r>
-                      <a:endParaRPr lang="ko-KR" altLang="en-US" sz="600" b="0" i="0" u="none" strike="noStrike">
+                      <a:endParaRPr lang="ko-KR" altLang="en-US" sz="600" b="0" i="0" u="none" strike="noStrike" dirty="0">
                         <a:solidFill>
                           <a:srgbClr val="000000"/>
                         </a:solidFill>
@@ -34283,7 +34342,14 @@
                       </a:endParaRPr>
                     </a:p>
                   </a:txBody>
-                  <a:tcPr marL="5708" marR="5708" marT="5708" marB="0" anchor="ctr"/>
+                  <a:tcPr marL="5708" marR="5708" marT="5708" marB="0" anchor="ctr">
+                    <a:solidFill>
+                      <a:schemeClr val="tx1">
+                        <a:lumMod val="20000"/>
+                        <a:lumOff val="80000"/>
+                      </a:schemeClr>
+                    </a:solidFill>
+                  </a:tcPr>
                 </a:tc>
                 <a:extLst>
                   <a:ext uri="{0D108BD9-81ED-4DB2-BD59-A6C34878D82A}">

--- a/1팀 발표보고서.pptx
+++ b/1팀 발표보고서.pptx
@@ -8667,7 +8667,7 @@
           <p:nvPr>
             <p:extLst>
               <p:ext uri="{D42A27DB-BD31-4B8C-83A1-F6EECF244321}">
-                <p14:modId xmlns:p14="http://schemas.microsoft.com/office/powerpoint/2010/main" val="501931951"/>
+                <p14:modId xmlns:p14="http://schemas.microsoft.com/office/powerpoint/2010/main" val="3170719408"/>
               </p:ext>
             </p:extLst>
           </p:nvPr>
@@ -8858,24 +8858,30 @@
                         </a:spcAft>
                       </a:pPr>
                       <a:r>
-                        <a:rPr lang="ko-KR" sz="900" kern="0">
-                          <a:effectLst/>
-                        </a:rPr>
-                        <a:t>관리자 고객센터 메인페이지</a:t>
-                      </a:r>
-                      <a:r>
-                        <a:rPr lang="en-US" sz="900" kern="0">
+                        <a:rPr lang="ko-KR" sz="900" kern="0" dirty="0" smtClean="0">
+                          <a:effectLst/>
+                        </a:rPr>
+                        <a:t>고객센터 </a:t>
+                      </a:r>
+                      <a:r>
+                        <a:rPr lang="ko-KR" sz="900" kern="0" dirty="0" err="1">
+                          <a:effectLst/>
+                        </a:rPr>
+                        <a:t>메인페이지</a:t>
+                      </a:r>
+                      <a:r>
+                        <a:rPr lang="en-US" sz="900" kern="0" dirty="0">
                           <a:effectLst/>
                         </a:rPr>
                         <a:t>  </a:t>
                       </a:r>
                       <a:r>
-                        <a:rPr lang="ko-KR" sz="900" kern="0">
+                        <a:rPr lang="ko-KR" sz="900" kern="0" dirty="0">
                           <a:effectLst/>
                         </a:rPr>
                         <a:t>컨트롤러</a:t>
                       </a:r>
-                      <a:endParaRPr lang="ko-KR" sz="1000" kern="100">
+                      <a:endParaRPr lang="ko-KR" sz="1000" kern="100" dirty="0">
                         <a:solidFill>
                           <a:srgbClr val="000000"/>
                         </a:solidFill>
@@ -9026,60 +9032,48 @@
                         </a:spcAft>
                       </a:pPr>
                       <a:r>
-                        <a:rPr lang="ko-KR" sz="900" kern="0">
-                          <a:effectLst/>
-                        </a:rPr>
-                        <a:t>관리자</a:t>
-                      </a:r>
-                      <a:r>
-                        <a:rPr lang="en-US" sz="900" kern="0">
+                        <a:rPr lang="ko-KR" sz="900" kern="0" dirty="0" smtClean="0">
+                          <a:effectLst/>
+                        </a:rPr>
+                        <a:t>고객센터</a:t>
+                      </a:r>
+                      <a:r>
+                        <a:rPr lang="en-US" sz="900" kern="0" dirty="0" smtClean="0">
                           <a:effectLst/>
                         </a:rPr>
                         <a:t>  </a:t>
                       </a:r>
                       <a:r>
-                        <a:rPr lang="ko-KR" sz="900" kern="0">
-                          <a:effectLst/>
-                        </a:rPr>
-                        <a:t>고객센터</a:t>
-                      </a:r>
-                      <a:r>
-                        <a:rPr lang="en-US" sz="900" kern="0">
+                        <a:rPr lang="ko-KR" sz="900" kern="0" dirty="0" err="1">
+                          <a:effectLst/>
+                        </a:rPr>
+                        <a:t>자주묻는질문</a:t>
+                      </a:r>
+                      <a:r>
+                        <a:rPr lang="en-US" sz="900" kern="0" dirty="0">
                           <a:effectLst/>
                         </a:rPr>
                         <a:t>  </a:t>
                       </a:r>
                       <a:r>
-                        <a:rPr lang="ko-KR" sz="900" kern="0">
-                          <a:effectLst/>
-                        </a:rPr>
-                        <a:t>자주묻는질문</a:t>
-                      </a:r>
-                      <a:r>
-                        <a:rPr lang="en-US" sz="900" kern="0">
+                        <a:rPr lang="ko-KR" sz="900" kern="0" dirty="0">
+                          <a:effectLst/>
+                        </a:rPr>
+                        <a:t>목록</a:t>
+                      </a:r>
+                      <a:r>
+                        <a:rPr lang="en-US" sz="900" kern="0" dirty="0">
                           <a:effectLst/>
                         </a:rPr>
                         <a:t>  </a:t>
                       </a:r>
                       <a:r>
-                        <a:rPr lang="ko-KR" sz="900" kern="0">
-                          <a:effectLst/>
-                        </a:rPr>
-                        <a:t>목록</a:t>
-                      </a:r>
-                      <a:r>
-                        <a:rPr lang="en-US" sz="900" kern="0">
-                          <a:effectLst/>
-                        </a:rPr>
-                        <a:t>  </a:t>
-                      </a:r>
-                      <a:r>
-                        <a:rPr lang="ko-KR" sz="900" kern="0">
+                        <a:rPr lang="ko-KR" sz="900" kern="0" dirty="0">
                           <a:effectLst/>
                         </a:rPr>
                         <a:t>컨트롤러</a:t>
                       </a:r>
-                      <a:endParaRPr lang="ko-KR" sz="1000" kern="100">
+                      <a:endParaRPr lang="ko-KR" sz="1000" kern="100" dirty="0">
                         <a:solidFill>
                           <a:srgbClr val="000000"/>
                         </a:solidFill>
@@ -9230,60 +9224,48 @@
                         </a:spcAft>
                       </a:pPr>
                       <a:r>
-                        <a:rPr lang="ko-KR" sz="900" kern="0">
-                          <a:effectLst/>
-                        </a:rPr>
-                        <a:t>관리자</a:t>
-                      </a:r>
-                      <a:r>
-                        <a:rPr lang="en-US" sz="900" kern="0">
+                        <a:rPr lang="ko-KR" sz="900" kern="0" dirty="0" smtClean="0">
+                          <a:effectLst/>
+                        </a:rPr>
+                        <a:t>고객센터</a:t>
+                      </a:r>
+                      <a:r>
+                        <a:rPr lang="en-US" sz="900" kern="0" dirty="0" smtClean="0">
                           <a:effectLst/>
                         </a:rPr>
                         <a:t>  </a:t>
                       </a:r>
                       <a:r>
-                        <a:rPr lang="ko-KR" sz="900" kern="0">
-                          <a:effectLst/>
-                        </a:rPr>
-                        <a:t>고객센터</a:t>
-                      </a:r>
-                      <a:r>
-                        <a:rPr lang="en-US" sz="900" kern="0">
+                        <a:rPr lang="ko-KR" sz="900" kern="0" dirty="0" err="1">
+                          <a:effectLst/>
+                        </a:rPr>
+                        <a:t>자주묻는질문</a:t>
+                      </a:r>
+                      <a:r>
+                        <a:rPr lang="en-US" sz="900" kern="0" dirty="0">
                           <a:effectLst/>
                         </a:rPr>
                         <a:t>  </a:t>
                       </a:r>
                       <a:r>
-                        <a:rPr lang="ko-KR" sz="900" kern="0">
-                          <a:effectLst/>
-                        </a:rPr>
-                        <a:t>자주묻는질문</a:t>
-                      </a:r>
-                      <a:r>
-                        <a:rPr lang="en-US" sz="900" kern="0">
+                        <a:rPr lang="ko-KR" sz="900" kern="0" dirty="0">
+                          <a:effectLst/>
+                        </a:rPr>
+                        <a:t>수정</a:t>
+                      </a:r>
+                      <a:r>
+                        <a:rPr lang="en-US" sz="900" kern="0" dirty="0">
                           <a:effectLst/>
                         </a:rPr>
                         <a:t>  </a:t>
                       </a:r>
                       <a:r>
-                        <a:rPr lang="ko-KR" sz="900" kern="0">
-                          <a:effectLst/>
-                        </a:rPr>
-                        <a:t>수정</a:t>
-                      </a:r>
-                      <a:r>
-                        <a:rPr lang="en-US" sz="900" kern="0">
-                          <a:effectLst/>
-                        </a:rPr>
-                        <a:t>  </a:t>
-                      </a:r>
-                      <a:r>
-                        <a:rPr lang="ko-KR" sz="900" kern="0">
+                        <a:rPr lang="ko-KR" sz="900" kern="0" dirty="0">
                           <a:effectLst/>
                         </a:rPr>
                         <a:t>컨트롤러</a:t>
                       </a:r>
-                      <a:endParaRPr lang="ko-KR" sz="1000" kern="100">
+                      <a:endParaRPr lang="ko-KR" sz="1000" kern="100" dirty="0">
                         <a:solidFill>
                           <a:srgbClr val="000000"/>
                         </a:solidFill>
@@ -9434,24 +9416,30 @@
                         </a:spcAft>
                       </a:pPr>
                       <a:r>
-                        <a:rPr lang="ko-KR" sz="900" kern="0">
-                          <a:effectLst/>
-                        </a:rPr>
-                        <a:t>관리자</a:t>
-                      </a:r>
-                      <a:r>
-                        <a:rPr lang="en-US" sz="900" kern="0">
-                          <a:effectLst/>
-                        </a:rPr>
-                        <a:t>  </a:t>
-                      </a:r>
-                      <a:r>
-                        <a:rPr lang="ko-KR" sz="900" kern="0">
-                          <a:effectLst/>
-                        </a:rPr>
-                        <a:t>고객센터 공지사항 게시글 리스트 컨트롤러</a:t>
-                      </a:r>
-                      <a:endParaRPr lang="ko-KR" sz="1000" kern="100">
+                        <a:rPr lang="ko-KR" sz="900" kern="0" dirty="0" smtClean="0">
+                          <a:effectLst/>
+                        </a:rPr>
+                        <a:t>고객센터 </a:t>
+                      </a:r>
+                      <a:r>
+                        <a:rPr lang="ko-KR" sz="900" kern="0" dirty="0">
+                          <a:effectLst/>
+                        </a:rPr>
+                        <a:t>공지사항 </a:t>
+                      </a:r>
+                      <a:r>
+                        <a:rPr lang="ko-KR" sz="900" kern="0" dirty="0" err="1">
+                          <a:effectLst/>
+                        </a:rPr>
+                        <a:t>게시글</a:t>
+                      </a:r>
+                      <a:r>
+                        <a:rPr lang="ko-KR" sz="900" kern="0" dirty="0">
+                          <a:effectLst/>
+                        </a:rPr>
+                        <a:t> 리스트 컨트롤러</a:t>
+                      </a:r>
+                      <a:endParaRPr lang="ko-KR" sz="1000" kern="100" dirty="0">
                         <a:solidFill>
                           <a:srgbClr val="000000"/>
                         </a:solidFill>
@@ -9602,48 +9590,42 @@
                         </a:spcAft>
                       </a:pPr>
                       <a:r>
-                        <a:rPr lang="ko-KR" sz="900" kern="0">
-                          <a:effectLst/>
-                        </a:rPr>
-                        <a:t>관리자</a:t>
-                      </a:r>
-                      <a:r>
-                        <a:rPr lang="en-US" sz="900" kern="0">
+                        <a:rPr lang="ko-KR" sz="900" kern="0" dirty="0" smtClean="0">
+                          <a:effectLst/>
+                        </a:rPr>
+                        <a:t>고객센터 </a:t>
+                      </a:r>
+                      <a:r>
+                        <a:rPr lang="ko-KR" sz="900" kern="0" dirty="0">
+                          <a:effectLst/>
+                        </a:rPr>
+                        <a:t>공지사항</a:t>
+                      </a:r>
+                      <a:r>
+                        <a:rPr lang="en-US" sz="900" kern="0" dirty="0">
                           <a:effectLst/>
                         </a:rPr>
                         <a:t>  </a:t>
                       </a:r>
                       <a:r>
-                        <a:rPr lang="ko-KR" sz="900" kern="0">
-                          <a:effectLst/>
-                        </a:rPr>
-                        <a:t>고객센터 공지사항</a:t>
-                      </a:r>
-                      <a:r>
-                        <a:rPr lang="en-US" sz="900" kern="0">
+                        <a:rPr lang="ko-KR" sz="900" kern="0" dirty="0">
+                          <a:effectLst/>
+                        </a:rPr>
+                        <a:t>보기</a:t>
+                      </a:r>
+                      <a:r>
+                        <a:rPr lang="en-US" sz="900" kern="0" dirty="0">
                           <a:effectLst/>
                         </a:rPr>
                         <a:t>  </a:t>
                       </a:r>
                       <a:r>
-                        <a:rPr lang="ko-KR" sz="900" kern="0">
-                          <a:effectLst/>
-                        </a:rPr>
-                        <a:t>보기</a:t>
-                      </a:r>
-                      <a:r>
-                        <a:rPr lang="en-US" sz="900" kern="0">
-                          <a:effectLst/>
-                        </a:rPr>
-                        <a:t>  </a:t>
-                      </a:r>
-                      <a:r>
-                        <a:rPr lang="ko-KR" sz="900" kern="0">
+                        <a:rPr lang="ko-KR" sz="900" kern="0" dirty="0">
                           <a:effectLst/>
                         </a:rPr>
                         <a:t>컨트롤러</a:t>
                       </a:r>
-                      <a:endParaRPr lang="ko-KR" sz="1000" kern="100">
+                      <a:endParaRPr lang="ko-KR" sz="1000" kern="100" dirty="0">
                         <a:solidFill>
                           <a:srgbClr val="000000"/>
                         </a:solidFill>
@@ -9794,60 +9776,48 @@
                         </a:spcAft>
                       </a:pPr>
                       <a:r>
-                        <a:rPr lang="ko-KR" sz="900" kern="0">
-                          <a:effectLst/>
-                        </a:rPr>
-                        <a:t>관리자</a:t>
-                      </a:r>
-                      <a:r>
-                        <a:rPr lang="en-US" sz="900" kern="0">
+                        <a:rPr lang="ko-KR" sz="900" kern="0" dirty="0" smtClean="0">
+                          <a:effectLst/>
+                        </a:rPr>
+                        <a:t>고객센터</a:t>
+                      </a:r>
+                      <a:r>
+                        <a:rPr lang="en-US" sz="900" kern="0" dirty="0" smtClean="0">
                           <a:effectLst/>
                         </a:rPr>
                         <a:t>  </a:t>
                       </a:r>
                       <a:r>
-                        <a:rPr lang="ko-KR" sz="900" kern="0">
-                          <a:effectLst/>
-                        </a:rPr>
-                        <a:t>고객센터</a:t>
-                      </a:r>
-                      <a:r>
-                        <a:rPr lang="en-US" sz="900" kern="0">
+                        <a:rPr lang="ko-KR" sz="900" kern="0" dirty="0" err="1">
+                          <a:effectLst/>
+                        </a:rPr>
+                        <a:t>자주묻는질문</a:t>
+                      </a:r>
+                      <a:r>
+                        <a:rPr lang="en-US" sz="900" kern="0" dirty="0">
                           <a:effectLst/>
                         </a:rPr>
                         <a:t>  </a:t>
                       </a:r>
                       <a:r>
-                        <a:rPr lang="ko-KR" sz="900" kern="0">
-                          <a:effectLst/>
-                        </a:rPr>
-                        <a:t>자주묻는질문</a:t>
-                      </a:r>
-                      <a:r>
-                        <a:rPr lang="en-US" sz="900" kern="0">
+                        <a:rPr lang="ko-KR" sz="900" kern="0" dirty="0">
+                          <a:effectLst/>
+                        </a:rPr>
+                        <a:t>리스트</a:t>
+                      </a:r>
+                      <a:r>
+                        <a:rPr lang="en-US" sz="900" kern="0" dirty="0">
                           <a:effectLst/>
                         </a:rPr>
                         <a:t>  </a:t>
                       </a:r>
                       <a:r>
-                        <a:rPr lang="ko-KR" sz="900" kern="0">
-                          <a:effectLst/>
-                        </a:rPr>
-                        <a:t>리스트</a:t>
-                      </a:r>
-                      <a:r>
-                        <a:rPr lang="en-US" sz="900" kern="0">
-                          <a:effectLst/>
-                        </a:rPr>
-                        <a:t>  </a:t>
-                      </a:r>
-                      <a:r>
-                        <a:rPr lang="ko-KR" sz="900" kern="0">
+                        <a:rPr lang="ko-KR" sz="900" kern="0" dirty="0">
                           <a:effectLst/>
                         </a:rPr>
                         <a:t>컨트롤러</a:t>
                       </a:r>
-                      <a:endParaRPr lang="ko-KR" sz="1000" kern="100">
+                      <a:endParaRPr lang="ko-KR" sz="1000" kern="100" dirty="0">
                         <a:solidFill>
                           <a:srgbClr val="000000"/>
                         </a:solidFill>
@@ -9998,60 +9968,48 @@
                         </a:spcAft>
                       </a:pPr>
                       <a:r>
-                        <a:rPr lang="ko-KR" sz="900" kern="0">
-                          <a:effectLst/>
-                        </a:rPr>
-                        <a:t>관리자</a:t>
-                      </a:r>
-                      <a:r>
-                        <a:rPr lang="en-US" sz="900" kern="0">
+                        <a:rPr lang="ko-KR" sz="900" kern="0" dirty="0" smtClean="0">
+                          <a:effectLst/>
+                        </a:rPr>
+                        <a:t>고객센터</a:t>
+                      </a:r>
+                      <a:r>
+                        <a:rPr lang="en-US" sz="900" kern="0" dirty="0" smtClean="0">
                           <a:effectLst/>
                         </a:rPr>
                         <a:t>  </a:t>
                       </a:r>
                       <a:r>
-                        <a:rPr lang="ko-KR" sz="900" kern="0">
-                          <a:effectLst/>
-                        </a:rPr>
-                        <a:t>고객센터</a:t>
-                      </a:r>
-                      <a:r>
-                        <a:rPr lang="en-US" sz="900" kern="0">
+                        <a:rPr lang="ko-KR" sz="900" kern="0" dirty="0" err="1">
+                          <a:effectLst/>
+                        </a:rPr>
+                        <a:t>자주묻는질문</a:t>
+                      </a:r>
+                      <a:r>
+                        <a:rPr lang="en-US" sz="900" kern="0" dirty="0">
                           <a:effectLst/>
                         </a:rPr>
                         <a:t>  </a:t>
                       </a:r>
                       <a:r>
-                        <a:rPr lang="ko-KR" sz="900" kern="0">
-                          <a:effectLst/>
-                        </a:rPr>
-                        <a:t>자주묻는질문</a:t>
-                      </a:r>
-                      <a:r>
-                        <a:rPr lang="en-US" sz="900" kern="0">
+                        <a:rPr lang="ko-KR" sz="900" kern="0" dirty="0">
+                          <a:effectLst/>
+                        </a:rPr>
+                        <a:t>보기</a:t>
+                      </a:r>
+                      <a:r>
+                        <a:rPr lang="en-US" sz="900" kern="0" dirty="0">
                           <a:effectLst/>
                         </a:rPr>
                         <a:t>  </a:t>
                       </a:r>
                       <a:r>
-                        <a:rPr lang="ko-KR" sz="900" kern="0">
-                          <a:effectLst/>
-                        </a:rPr>
-                        <a:t>보기</a:t>
-                      </a:r>
-                      <a:r>
-                        <a:rPr lang="en-US" sz="900" kern="0">
-                          <a:effectLst/>
-                        </a:rPr>
-                        <a:t>  </a:t>
-                      </a:r>
-                      <a:r>
-                        <a:rPr lang="ko-KR" sz="900" kern="0">
+                        <a:rPr lang="ko-KR" sz="900" kern="0" dirty="0">
                           <a:effectLst/>
                         </a:rPr>
                         <a:t>컨트롤러</a:t>
                       </a:r>
-                      <a:endParaRPr lang="ko-KR" sz="1000" kern="100">
+                      <a:endParaRPr lang="ko-KR" sz="1000" kern="100" dirty="0">
                         <a:solidFill>
                           <a:srgbClr val="000000"/>
                         </a:solidFill>
@@ -10202,25 +10160,13 @@
                         </a:spcAft>
                       </a:pPr>
                       <a:r>
-                        <a:rPr lang="ko-KR" sz="900" kern="0" dirty="0">
-                          <a:effectLst/>
-                        </a:rPr>
-                        <a:t>관리자</a:t>
-                      </a:r>
-                      <a:r>
-                        <a:rPr lang="en-US" sz="900" kern="0" dirty="0">
-                          <a:effectLst/>
-                        </a:rPr>
-                        <a:t>  </a:t>
-                      </a:r>
-                      <a:r>
-                        <a:rPr lang="ko-KR" sz="900" kern="0" dirty="0">
+                        <a:rPr lang="ko-KR" sz="900" kern="0" dirty="0" smtClean="0">
                           <a:effectLst/>
                         </a:rPr>
                         <a:t>고객센터</a:t>
                       </a:r>
                       <a:r>
-                        <a:rPr lang="en-US" sz="900" kern="0" dirty="0">
+                        <a:rPr lang="en-US" sz="900" kern="0" dirty="0" smtClean="0">
                           <a:effectLst/>
                         </a:rPr>
                         <a:t>  </a:t>
@@ -10330,7 +10276,7 @@
           <p:nvPr>
             <p:extLst>
               <p:ext uri="{D42A27DB-BD31-4B8C-83A1-F6EECF244321}">
-                <p14:modId xmlns:p14="http://schemas.microsoft.com/office/powerpoint/2010/main" val="2583020526"/>
+                <p14:modId xmlns:p14="http://schemas.microsoft.com/office/powerpoint/2010/main" val="783800734"/>
               </p:ext>
             </p:extLst>
           </p:nvPr>
@@ -11553,10 +11499,28 @@
                         </a:spcAft>
                       </a:pPr>
                       <a:r>
+                        <a:rPr lang="ko-KR" altLang="en-US" sz="900" kern="0" dirty="0" smtClean="0">
+                          <a:effectLst/>
+                        </a:rPr>
+                        <a:t>아이디 </a:t>
+                      </a:r>
+                      <a:r>
+                        <a:rPr lang="ko-KR" altLang="en-US" sz="900" kern="0" dirty="0" err="1" smtClean="0">
+                          <a:effectLst/>
+                        </a:rPr>
+                        <a:t>중복체크</a:t>
+                      </a:r>
+                      <a:r>
+                        <a:rPr lang="ko-KR" sz="900" kern="0" dirty="0" smtClean="0">
+                          <a:effectLst/>
+                        </a:rPr>
+                        <a:t> </a:t>
+                      </a:r>
+                      <a:r>
                         <a:rPr lang="ko-KR" sz="900" kern="0" dirty="0">
                           <a:effectLst/>
                         </a:rPr>
-                        <a:t>유저 아이디 체크 컨트롤러</a:t>
+                        <a:t>컨트롤러</a:t>
                       </a:r>
                       <a:endParaRPr lang="ko-KR" sz="1000" kern="100" dirty="0">
                         <a:solidFill>
@@ -26344,7 +26308,7 @@
                 <a14:useLocalDpi xmlns:a14="http://schemas.microsoft.com/office/drawing/2010/main" val="0"/>
               </a:ext>
               <a:ext uri="{96DAC541-7B7A-43D3-8B79-37D633B846F1}">
-                <asvg:svgBlip xmlns="" xmlns:asvg="http://schemas.microsoft.com/office/drawing/2016/SVG/main" r:embed="rId3"/>
+                <asvg:svgBlip xmlns:asvg="http://schemas.microsoft.com/office/drawing/2016/SVG/main" xmlns="" r:embed="rId3"/>
               </a:ext>
             </a:extLst>
           </a:blip>
